--- a/docs/Presentation_Murali_Spoorthi.pptx
+++ b/docs/Presentation_Murali_Spoorthi.pptx
@@ -6044,13 +6044,21 @@
           <a:p>
             <a:r>
               <a:rPr lang="en-US" dirty="0"/>
-              <a:t>Murali Krishna Valluri (mvallu2@uic.edu)</a:t>
+              <a:t>Murali Krishna Valluri (671441135)</a:t>
             </a:r>
           </a:p>
           <a:p>
             <a:r>
               <a:rPr lang="en-US" dirty="0"/>
-              <a:t>Spoorthi Pendyala (NPendy2@uic.edu)</a:t>
+              <a:t>Spoorthi Pendyala (</a:t>
+            </a:r>
+            <a:r>
+              <a:rPr lang="en-US" dirty="0"/>
+              <a:t>679836791</a:t>
+            </a:r>
+            <a:r>
+              <a:rPr lang="en-US" dirty="0"/>
+              <a:t>)</a:t>
             </a:r>
           </a:p>
         </p:txBody>
@@ -6276,8 +6284,11 @@
           <a:p>
             <a:r>
               <a:rPr lang="en-US" dirty="0"/>
-              <a:t>SVM (No results were obtained for positive class, hence we did not consider this algorithm for the final comparison.)</a:t>
-            </a:r>
+              <a:t>SVM</a:t>
+            </a:r>
+          </a:p>
+          <a:p>
+            <a:endParaRPr lang="en-US" dirty="0"/>
           </a:p>
           <a:p>
             <a:endParaRPr lang="en-US" dirty="0"/>
